--- a/src/設定案まとめ/STAGE案.pptx
+++ b/src/設定案まとめ/STAGE案.pptx
@@ -8,7 +8,7 @@
     <p:sldId id="256" r:id="rId2"/>
     <p:sldId id="257" r:id="rId3"/>
     <p:sldId id="259" r:id="rId4"/>
-    <p:sldId id="258" r:id="rId5"/>
+    <p:sldId id="260" r:id="rId5"/>
   </p:sldIdLst>
   <p:sldSz cx="12192000" cy="6858000"/>
   <p:notesSz cx="6858000" cy="9144000"/>
@@ -107,6 +107,11 @@
       </a:defRPr>
     </a:lvl9pPr>
   </p:defaultTextStyle>
+  <p:extLst>
+    <p:ext uri="{EFAFB233-063F-42B5-8137-9DF3F51BA10A}">
+      <p15:sldGuideLst xmlns:p15="http://schemas.microsoft.com/office/powerpoint/2012/main"/>
+    </p:ext>
+  </p:extLst>
 </p:presentation>
 </file>
 
@@ -3787,112 +3792,42 @@
           <a:chExt cx="0" cy="0"/>
         </a:xfrm>
       </p:grpSpPr>
-      <p:sp>
-        <p:nvSpPr>
-          <p:cNvPr id="3" name="フリーフォーム: 図形 2">
-            <a:extLst>
-              <a:ext uri="{FF2B5EF4-FFF2-40B4-BE49-F238E27FC236}">
-                <a16:creationId xmlns:a16="http://schemas.microsoft.com/office/drawing/2014/main" id="{9CE97063-6EE0-4849-A72D-51C96F525930}"/>
-              </a:ext>
-            </a:extLst>
-          </p:cNvPr>
-          <p:cNvSpPr/>
+      <p:pic>
+        <p:nvPicPr>
+          <p:cNvPr id="7" name="図 6">
+            <a:extLst>
+              <a:ext uri="{FF2B5EF4-FFF2-40B4-BE49-F238E27FC236}">
+                <a16:creationId xmlns:a16="http://schemas.microsoft.com/office/drawing/2014/main" id="{5888E2CD-5213-475C-A57F-2D3F6513D10F}"/>
+              </a:ext>
+            </a:extLst>
+          </p:cNvPr>
+          <p:cNvPicPr>
+            <a:picLocks noChangeAspect="1"/>
+          </p:cNvPicPr>
           <p:nvPr/>
-        </p:nvSpPr>
+        </p:nvPicPr>
+        <p:blipFill>
+          <a:blip r:embed="rId2">
+            <a:extLst>
+              <a:ext uri="{28A0092B-C50C-407E-A947-70E740481C1C}">
+                <a14:useLocalDpi xmlns:a14="http://schemas.microsoft.com/office/drawing/2010/main" val="0"/>
+              </a:ext>
+            </a:extLst>
+          </a:blip>
+          <a:stretch>
+            <a:fillRect/>
+          </a:stretch>
+        </p:blipFill>
         <p:spPr>
           <a:xfrm>
-            <a:off x="111967" y="5561045"/>
-            <a:ext cx="12111135" cy="74645"/>
+            <a:off x="2068054" y="164975"/>
+            <a:ext cx="8055891" cy="6528050"/>
           </a:xfrm>
-          <a:custGeom>
+          <a:prstGeom prst="rect">
             <a:avLst/>
-            <a:gdLst>
-              <a:gd name="connsiteX0" fmla="*/ 0 w 12111135"/>
-              <a:gd name="connsiteY0" fmla="*/ 0 h 74645"/>
-              <a:gd name="connsiteX1" fmla="*/ 3172409 w 12111135"/>
-              <a:gd name="connsiteY1" fmla="*/ 18661 h 74645"/>
-              <a:gd name="connsiteX2" fmla="*/ 3601617 w 12111135"/>
-              <a:gd name="connsiteY2" fmla="*/ 74645 h 74645"/>
-              <a:gd name="connsiteX3" fmla="*/ 11756572 w 12111135"/>
-              <a:gd name="connsiteY3" fmla="*/ 55984 h 74645"/>
-              <a:gd name="connsiteX4" fmla="*/ 12111135 w 12111135"/>
-              <a:gd name="connsiteY4" fmla="*/ 18661 h 74645"/>
-            </a:gdLst>
-            <a:ahLst/>
-            <a:cxnLst>
-              <a:cxn ang="0">
-                <a:pos x="connsiteX0" y="connsiteY0"/>
-              </a:cxn>
-              <a:cxn ang="0">
-                <a:pos x="connsiteX1" y="connsiteY1"/>
-              </a:cxn>
-              <a:cxn ang="0">
-                <a:pos x="connsiteX2" y="connsiteY2"/>
-              </a:cxn>
-              <a:cxn ang="0">
-                <a:pos x="connsiteX3" y="connsiteY3"/>
-              </a:cxn>
-              <a:cxn ang="0">
-                <a:pos x="connsiteX4" y="connsiteY4"/>
-              </a:cxn>
-            </a:cxnLst>
-            <a:rect l="l" t="t" r="r" b="b"/>
-            <a:pathLst>
-              <a:path w="12111135" h="74645">
-                <a:moveTo>
-                  <a:pt x="0" y="0"/>
-                </a:moveTo>
-                <a:lnTo>
-                  <a:pt x="3172409" y="18661"/>
-                </a:lnTo>
-                <a:cubicBezTo>
-                  <a:pt x="3316659" y="21651"/>
-                  <a:pt x="3601617" y="74645"/>
-                  <a:pt x="3601617" y="74645"/>
-                </a:cubicBezTo>
-                <a:lnTo>
-                  <a:pt x="11756572" y="55984"/>
-                </a:lnTo>
-                <a:cubicBezTo>
-                  <a:pt x="11949125" y="55130"/>
-                  <a:pt x="11968670" y="47154"/>
-                  <a:pt x="12111135" y="18661"/>
-                </a:cubicBezTo>
-              </a:path>
-            </a:pathLst>
-          </a:custGeom>
-          <a:noFill/>
-          <a:ln>
-            <a:solidFill>
-              <a:schemeClr val="tx1"/>
-            </a:solidFill>
-          </a:ln>
+          </a:prstGeom>
         </p:spPr>
-        <p:style>
-          <a:lnRef idx="2">
-            <a:schemeClr val="accent1">
-              <a:shade val="50000"/>
-            </a:schemeClr>
-          </a:lnRef>
-          <a:fillRef idx="1">
-            <a:schemeClr val="accent1"/>
-          </a:fillRef>
-          <a:effectRef idx="0">
-            <a:schemeClr val="accent1"/>
-          </a:effectRef>
-          <a:fontRef idx="minor">
-            <a:schemeClr val="lt1"/>
-          </a:fontRef>
-        </p:style>
-        <p:txBody>
-          <a:bodyPr rtlCol="0" anchor="ctr"/>
-          <a:lstStyle/>
-          <a:p>
-            <a:pPr algn="ctr"/>
-            <a:endParaRPr kumimoji="1" lang="ja-JP" altLang="en-US"/>
-          </a:p>
-        </p:txBody>
-      </p:sp>
+      </p:pic>
     </p:spTree>
     <p:extLst>
       <p:ext uri="{BB962C8B-B14F-4D97-AF65-F5344CB8AC3E}">
@@ -3923,86 +3858,46 @@
           <a:chExt cx="0" cy="0"/>
         </a:xfrm>
       </p:grpSpPr>
-      <p:sp>
-        <p:nvSpPr>
-          <p:cNvPr id="2" name="テキスト ボックス 1">
-            <a:extLst>
-              <a:ext uri="{FF2B5EF4-FFF2-40B4-BE49-F238E27FC236}">
-                <a16:creationId xmlns:a16="http://schemas.microsoft.com/office/drawing/2014/main" id="{BE8EAEBD-D137-4ACC-B390-93FF75AB6E46}"/>
-              </a:ext>
-            </a:extLst>
-          </p:cNvPr>
-          <p:cNvSpPr txBox="1"/>
+      <p:pic>
+        <p:nvPicPr>
+          <p:cNvPr id="7" name="図 6">
+            <a:extLst>
+              <a:ext uri="{FF2B5EF4-FFF2-40B4-BE49-F238E27FC236}">
+                <a16:creationId xmlns:a16="http://schemas.microsoft.com/office/drawing/2014/main" id="{F5A64EBB-0DD5-4B66-BAEB-5A956E680AA1}"/>
+              </a:ext>
+            </a:extLst>
+          </p:cNvPr>
+          <p:cNvPicPr>
+            <a:picLocks noChangeAspect="1"/>
+          </p:cNvPicPr>
           <p:nvPr/>
-        </p:nvSpPr>
+        </p:nvPicPr>
+        <p:blipFill>
+          <a:blip r:embed="rId2">
+            <a:extLst>
+              <a:ext uri="{28A0092B-C50C-407E-A947-70E740481C1C}">
+                <a14:useLocalDpi xmlns:a14="http://schemas.microsoft.com/office/drawing/2010/main" val="0"/>
+              </a:ext>
+            </a:extLst>
+          </a:blip>
+          <a:stretch>
+            <a:fillRect/>
+          </a:stretch>
+        </p:blipFill>
         <p:spPr>
           <a:xfrm>
-            <a:off x="3782706" y="2921168"/>
-            <a:ext cx="4626588" cy="1015663"/>
+            <a:off x="1864469" y="0"/>
+            <a:ext cx="8463062" cy="6857999"/>
           </a:xfrm>
           <a:prstGeom prst="rect">
             <a:avLst/>
           </a:prstGeom>
-          <a:noFill/>
         </p:spPr>
-        <p:txBody>
-          <a:bodyPr wrap="none" rtlCol="0">
-            <a:spAutoFit/>
-          </a:bodyPr>
-          <a:lstStyle/>
-          <a:p>
-            <a:r>
-              <a:rPr lang="ja-JP" altLang="en-US" sz="6000" b="1" dirty="0">
-                <a:solidFill>
-                  <a:srgbClr val="0070C0"/>
-                </a:solidFill>
-                <a:effectLst>
-                  <a:outerShdw blurRad="38100" dist="38100" dir="2700000" algn="tl">
-                    <a:srgbClr val="000000">
-                      <a:alpha val="43137"/>
-                    </a:srgbClr>
-                  </a:outerShdw>
-                </a:effectLst>
-              </a:rPr>
-              <a:t>３</a:t>
-            </a:r>
-            <a:r>
-              <a:rPr kumimoji="1" lang="en-US" altLang="ja-JP" sz="6000" b="1" dirty="0">
-                <a:solidFill>
-                  <a:srgbClr val="0070C0"/>
-                </a:solidFill>
-                <a:effectLst>
-                  <a:outerShdw blurRad="38100" dist="38100" dir="2700000" algn="tl">
-                    <a:srgbClr val="000000">
-                      <a:alpha val="43137"/>
-                    </a:srgbClr>
-                  </a:outerShdw>
-                </a:effectLst>
-              </a:rPr>
-              <a:t>D</a:t>
-            </a:r>
-            <a:r>
-              <a:rPr kumimoji="1" lang="ja-JP" altLang="en-US" sz="6000" b="1" dirty="0">
-                <a:solidFill>
-                  <a:srgbClr val="0070C0"/>
-                </a:solidFill>
-                <a:effectLst>
-                  <a:outerShdw blurRad="38100" dist="38100" dir="2700000" algn="tl">
-                    <a:srgbClr val="000000">
-                      <a:alpha val="43137"/>
-                    </a:srgbClr>
-                  </a:outerShdw>
-                </a:effectLst>
-              </a:rPr>
-              <a:t>ステージ</a:t>
-            </a:r>
-          </a:p>
-        </p:txBody>
-      </p:sp>
+      </p:pic>
     </p:spTree>
     <p:extLst>
       <p:ext uri="{BB962C8B-B14F-4D97-AF65-F5344CB8AC3E}">
-        <p14:creationId xmlns:p14="http://schemas.microsoft.com/office/powerpoint/2010/main" val="1615082813"/>
+        <p14:creationId xmlns:p14="http://schemas.microsoft.com/office/powerpoint/2010/main" val="3739324945"/>
       </p:ext>
     </p:extLst>
   </p:cSld>
